--- a/data/r-reporters-powerpoint-from-template.pptx
+++ b/data/r-reporters-powerpoint-from-template.pptx
@@ -6,10 +6,10 @@
   </p:sldMasterIdLst>
   <p:sldIdLst>
     <p:sldId id="256" r:id="rId2"/>
-    <p:sldId id="807418982" r:id="rId8"/>
-    <p:sldId id="1946060078" r:id="rId9"/>
-    <p:sldId id="365329552" r:id="rId10"/>
-    <p:sldId id="975926274" r:id="rId11"/>
+    <p:sldId id="1821657245" r:id="rId8"/>
+    <p:sldId id="899000827" r:id="rId9"/>
+    <p:sldId id="1121638515" r:id="rId10"/>
+    <p:sldId id="227422296" r:id="rId11"/>
   </p:sldIdLst>
   <p:sldSz cx="9144000" cy="6858000" type="screen4x3"/>
   <p:notesSz cx="6858000" cy="9144000"/>
@@ -5415,7 +5415,7 @@
           <a:p>
             <a:r>
               <a:rPr/>
-              <a:t>2016-08-22</a:t>
+              <a:t>2016-09-19</a:t>
             </a:r>
           </a:p>
         </p:txBody>
@@ -7353,8 +7353,8 @@
           </p:nvSpPr>
           <p:spPr>
             <a:xfrm>
-              <a:off x="3660215" y="3012850"/>
-              <a:ext cx="2157263" cy="161131"/>
+              <a:off x="3643361" y="3012850"/>
+              <a:ext cx="2190971" cy="161131"/>
             </a:xfrm>
             <a:prstGeom prst="rect">
               <a:avLst/>
@@ -9619,8 +9619,8 @@
           </p:nvSpPr>
           <p:spPr>
             <a:xfrm>
-              <a:off x="5620879" y="515806"/>
-              <a:ext cx="2809521" cy="161131"/>
+              <a:off x="5598929" y="515806"/>
+              <a:ext cx="2853421" cy="161131"/>
             </a:xfrm>
             <a:prstGeom prst="rect">
               <a:avLst/>
